--- a/units/3/lessons/9/resources/petascale-lesson-3.9-slides.pptx
+++ b/units/3/lessons/9/resources/petascale-lesson-3.9-slides.pptx
@@ -9,7 +9,7 @@
   </p:notesMasterIdLst>
   <p:sldIdLst>
     <p:sldId id="282" r:id="rId2"/>
-    <p:sldId id="283" r:id="rId3"/>
+    <p:sldId id="284" r:id="rId3"/>
     <p:sldId id="257" r:id="rId4"/>
     <p:sldId id="258" r:id="rId5"/>
     <p:sldId id="259" r:id="rId6"/>
@@ -10211,7 +10211,7 @@
         </p:nvSpPr>
         <p:spPr>
           <a:xfrm>
-            <a:off x="566059" y="0"/>
+            <a:off x="566057" y="0"/>
             <a:ext cx="8011886" cy="5143500"/>
           </a:xfrm>
         </p:spPr>
@@ -10258,7 +10258,23 @@
                 <a:ea typeface="Times New Roman" charset="0"/>
                 <a:cs typeface="Times New Roman" charset="0"/>
               </a:rPr>
-              <a:t>CC BY-NC 4.0. To view a copy of this license, visit </a:t>
+              <a:t>CC </a:t>
+            </a:r>
+            <a:r>
+              <a:rPr lang="en-US" sz="2100" dirty="0" smtClean="0">
+                <a:latin typeface="Times New Roman" charset="0"/>
+                <a:ea typeface="Times New Roman" charset="0"/>
+                <a:cs typeface="Times New Roman" charset="0"/>
+              </a:rPr>
+              <a:t>BY-SA </a:t>
+            </a:r>
+            <a:r>
+              <a:rPr lang="en-US" sz="2100" dirty="0">
+                <a:latin typeface="Times New Roman" charset="0"/>
+                <a:ea typeface="Times New Roman" charset="0"/>
+                <a:cs typeface="Times New Roman" charset="0"/>
+              </a:rPr>
+              <a:t>4.0. To view a copy of this license, visit </a:t>
             </a:r>
             <a:r>
               <a:rPr lang="en-US" sz="2100" dirty="0">
@@ -10267,7 +10283,16 @@
                 <a:cs typeface="Times New Roman" charset="0"/>
                 <a:hlinkClick r:id="rId2"/>
               </a:rPr>
-              <a:t>https://creativecommons.org/licenses/by-nc/4.0</a:t>
+              <a:t>https://</a:t>
+            </a:r>
+            <a:r>
+              <a:rPr lang="en-US" sz="2100" dirty="0" smtClean="0">
+                <a:latin typeface="Times New Roman" charset="0"/>
+                <a:ea typeface="Times New Roman" charset="0"/>
+                <a:cs typeface="Times New Roman" charset="0"/>
+                <a:hlinkClick r:id="rId2"/>
+              </a:rPr>
+              <a:t>creativecommons.org/licenses/by-sa/4.0</a:t>
             </a:r>
             <a:r>
               <a:rPr lang="en-US" sz="2100" dirty="0">
@@ -10421,20 +10446,13 @@
     </p:spTree>
     <p:extLst>
       <p:ext uri="{BB962C8B-B14F-4D97-AF65-F5344CB8AC3E}">
-        <p14:creationId xmlns:p14="http://schemas.microsoft.com/office/powerpoint/2010/main" val="1373851312"/>
+        <p14:creationId xmlns:p14="http://schemas.microsoft.com/office/powerpoint/2010/main" val="1687477106"/>
       </p:ext>
     </p:extLst>
   </p:cSld>
   <p:clrMapOvr>
     <a:masterClrMapping/>
   </p:clrMapOvr>
-  <p:timing>
-    <p:tnLst>
-      <p:par>
-        <p:cTn id="1" dur="indefinite" restart="never" nodeType="tmRoot"/>
-      </p:par>
-    </p:tnLst>
-  </p:timing>
 </p:sld>
 </file>
 
